--- a/תחום דעת -ניתוח מידע רשתי.pptx
+++ b/תחום דעת -ניתוח מידע רשתי.pptx
@@ -228,7 +228,7 @@
           <a:p>
             <a:fld id="{0F8E01AD-8B3C-476D-A931-AF3BEE422EFB}" type="datetimeFigureOut">
               <a:rPr lang="en-US" smtClean="0"/>
-              <a:t>02-May-20</a:t>
+              <a:t>12-May-20</a:t>
             </a:fld>
             <a:endParaRPr lang="en-US"/>
           </a:p>
@@ -2009,6 +2009,16 @@
             </a:pPr>
             <a:r>
               <a:rPr lang="he-IL" dirty="0"/>
+              <a:t>אלירן יראה לנו איך להשתמש בספריה הזו</a:t>
+            </a:r>
+          </a:p>
+          <a:p>
+            <a:pPr marL="628650" lvl="1" indent="-171450" algn="r" rtl="1">
+              <a:buFont typeface="Arial" panose="020B0604020202020204" pitchFamily="34" charset="0"/>
+              <a:buChar char="•"/>
+            </a:pPr>
+            <a:r>
+              <a:rPr lang="he-IL" dirty="0"/>
               <a:t>מאוד פופולרי </a:t>
             </a:r>
           </a:p>
@@ -2728,15 +2738,89 @@
             <a:pPr algn="r" rtl="1"/>
             <a:r>
               <a:rPr lang="he-IL" dirty="0"/>
-              <a:t>נודה על האמת – כשחושבים על מדע נתונים רשתות זה לא הדבר הראשון שעולה לראש. נראה שיותר מתאים לקורסים של מדעי המחשב- אלגוריתמים.</a:t>
-            </a:r>
+              <a:t>נודה על האמת – כשחושבים על מדע נתונים רשתות זה לא הדבר הראשון שעולה לראש. </a:t>
+            </a:r>
+            <a:endParaRPr lang="en-US" dirty="0"/>
+          </a:p>
+          <a:p>
+            <a:pPr marL="171450" indent="-171450" algn="r" rtl="1">
+              <a:buFont typeface="Arial" panose="020B0604020202020204" pitchFamily="34" charset="0"/>
+              <a:buChar char="•"/>
+            </a:pPr>
+            <a:r>
+              <a:rPr lang="en-US" dirty="0"/>
+              <a:t>Supervised learning</a:t>
+            </a:r>
+          </a:p>
+          <a:p>
+            <a:pPr marL="171450" indent="-171450" algn="r" rtl="1">
+              <a:buFont typeface="Arial" panose="020B0604020202020204" pitchFamily="34" charset="0"/>
+              <a:buChar char="•"/>
+            </a:pPr>
+            <a:r>
+              <a:rPr lang="en-US" dirty="0"/>
+              <a:t>Unsupervised learning</a:t>
+            </a:r>
+          </a:p>
+          <a:p>
+            <a:pPr marL="171450" indent="-171450" algn="r" rtl="1">
+              <a:buFont typeface="Arial" panose="020B0604020202020204" pitchFamily="34" charset="0"/>
+              <a:buChar char="•"/>
+            </a:pPr>
+            <a:r>
+              <a:rPr lang="he-IL" dirty="0"/>
+              <a:t>רשתות נוירונים</a:t>
+            </a:r>
+            <a:endParaRPr lang="en-US" dirty="0"/>
+          </a:p>
+          <a:p>
+            <a:pPr marL="171450" indent="-171450" algn="r" rtl="1">
+              <a:buFont typeface="Arial" panose="020B0604020202020204" pitchFamily="34" charset="0"/>
+              <a:buChar char="•"/>
+            </a:pPr>
+            <a:r>
+              <a:rPr lang="en-US" dirty="0"/>
+              <a:t>Decision trees</a:t>
+            </a:r>
+            <a:endParaRPr lang="he-IL" dirty="0"/>
           </a:p>
           <a:p>
             <a:pPr algn="r" rtl="1"/>
+            <a:endParaRPr lang="en-US" dirty="0"/>
+          </a:p>
+          <a:p>
+            <a:pPr algn="r" rtl="1"/>
             <a:r>
               <a:rPr lang="he-IL" dirty="0"/>
-              <a:t>מתי בכל זאת?</a:t>
-            </a:r>
+              <a:t>נראה שיותר מתאים לקורסים של מדעי המחשב- אלגוריתמים.</a:t>
+            </a:r>
+          </a:p>
+          <a:p>
+            <a:pPr algn="r" rtl="1"/>
+            <a:endParaRPr lang="en-US" dirty="0"/>
+          </a:p>
+          <a:p>
+            <a:pPr marL="171450" indent="-171450" algn="r" rtl="1">
+              <a:buFont typeface="Arial" panose="020B0604020202020204" pitchFamily="34" charset="0"/>
+              <a:buChar char="•"/>
+            </a:pPr>
+            <a:r>
+              <a:rPr lang="he-IL" dirty="0"/>
+              <a:t>התפלאתי בכמה איך ובכמה תחומים</a:t>
+            </a:r>
+          </a:p>
+          <a:p>
+            <a:pPr marL="171450" indent="-171450" algn="r" rtl="1">
+              <a:buFont typeface="Arial" panose="020B0604020202020204" pitchFamily="34" charset="0"/>
+              <a:buChar char="•"/>
+            </a:pPr>
+            <a:r>
+              <a:rPr lang="he-IL" dirty="0"/>
+              <a:t>נראה דוגמאות</a:t>
+            </a:r>
+          </a:p>
+          <a:p>
+            <a:pPr algn="r" rtl="1"/>
             <a:endParaRPr lang="en-US" dirty="0"/>
           </a:p>
         </p:txBody>
@@ -3068,7 +3152,7 @@
           <a:p>
             <a:fld id="{DDA0873F-4476-421E-B86B-CCAD1884FA87}" type="datetimeFigureOut">
               <a:rPr lang="en-US" smtClean="0"/>
-              <a:t>02-May-20</a:t>
+              <a:t>12-May-20</a:t>
             </a:fld>
             <a:endParaRPr lang="en-US"/>
           </a:p>
@@ -3266,7 +3350,7 @@
           <a:p>
             <a:fld id="{DDA0873F-4476-421E-B86B-CCAD1884FA87}" type="datetimeFigureOut">
               <a:rPr lang="en-US" smtClean="0"/>
-              <a:t>02-May-20</a:t>
+              <a:t>12-May-20</a:t>
             </a:fld>
             <a:endParaRPr lang="en-US"/>
           </a:p>
@@ -3474,7 +3558,7 @@
           <a:p>
             <a:fld id="{DDA0873F-4476-421E-B86B-CCAD1884FA87}" type="datetimeFigureOut">
               <a:rPr lang="en-US" smtClean="0"/>
-              <a:t>02-May-20</a:t>
+              <a:t>12-May-20</a:t>
             </a:fld>
             <a:endParaRPr lang="en-US"/>
           </a:p>
@@ -3672,7 +3756,7 @@
           <a:p>
             <a:fld id="{DDA0873F-4476-421E-B86B-CCAD1884FA87}" type="datetimeFigureOut">
               <a:rPr lang="en-US" smtClean="0"/>
-              <a:t>02-May-20</a:t>
+              <a:t>12-May-20</a:t>
             </a:fld>
             <a:endParaRPr lang="en-US"/>
           </a:p>
@@ -3947,7 +4031,7 @@
           <a:p>
             <a:fld id="{DDA0873F-4476-421E-B86B-CCAD1884FA87}" type="datetimeFigureOut">
               <a:rPr lang="en-US" smtClean="0"/>
-              <a:t>02-May-20</a:t>
+              <a:t>12-May-20</a:t>
             </a:fld>
             <a:endParaRPr lang="en-US"/>
           </a:p>
@@ -4212,7 +4296,7 @@
           <a:p>
             <a:fld id="{DDA0873F-4476-421E-B86B-CCAD1884FA87}" type="datetimeFigureOut">
               <a:rPr lang="en-US" smtClean="0"/>
-              <a:t>02-May-20</a:t>
+              <a:t>12-May-20</a:t>
             </a:fld>
             <a:endParaRPr lang="en-US"/>
           </a:p>
@@ -4624,7 +4708,7 @@
           <a:p>
             <a:fld id="{DDA0873F-4476-421E-B86B-CCAD1884FA87}" type="datetimeFigureOut">
               <a:rPr lang="en-US" smtClean="0"/>
-              <a:t>02-May-20</a:t>
+              <a:t>12-May-20</a:t>
             </a:fld>
             <a:endParaRPr lang="en-US"/>
           </a:p>
@@ -4765,7 +4849,7 @@
           <a:p>
             <a:fld id="{DDA0873F-4476-421E-B86B-CCAD1884FA87}" type="datetimeFigureOut">
               <a:rPr lang="en-US" smtClean="0"/>
-              <a:t>02-May-20</a:t>
+              <a:t>12-May-20</a:t>
             </a:fld>
             <a:endParaRPr lang="en-US"/>
           </a:p>
@@ -4878,7 +4962,7 @@
           <a:p>
             <a:fld id="{DDA0873F-4476-421E-B86B-CCAD1884FA87}" type="datetimeFigureOut">
               <a:rPr lang="en-US" smtClean="0"/>
-              <a:t>02-May-20</a:t>
+              <a:t>12-May-20</a:t>
             </a:fld>
             <a:endParaRPr lang="en-US"/>
           </a:p>
@@ -5189,7 +5273,7 @@
           <a:p>
             <a:fld id="{DDA0873F-4476-421E-B86B-CCAD1884FA87}" type="datetimeFigureOut">
               <a:rPr lang="en-US" smtClean="0"/>
-              <a:t>02-May-20</a:t>
+              <a:t>12-May-20</a:t>
             </a:fld>
             <a:endParaRPr lang="en-US"/>
           </a:p>
@@ -5477,7 +5561,7 @@
           <a:p>
             <a:fld id="{DDA0873F-4476-421E-B86B-CCAD1884FA87}" type="datetimeFigureOut">
               <a:rPr lang="en-US" smtClean="0"/>
-              <a:t>02-May-20</a:t>
+              <a:t>12-May-20</a:t>
             </a:fld>
             <a:endParaRPr lang="en-US"/>
           </a:p>
@@ -5718,7 +5802,7 @@
           <a:p>
             <a:fld id="{DDA0873F-4476-421E-B86B-CCAD1884FA87}" type="datetimeFigureOut">
               <a:rPr lang="en-US" smtClean="0"/>
-              <a:t>02-May-20</a:t>
+              <a:t>12-May-20</a:t>
             </a:fld>
             <a:endParaRPr lang="en-US"/>
           </a:p>
@@ -6213,17 +6297,17 @@
           <a:p>
             <a:pPr algn="l" rtl="1"/>
             <a:r>
-              <a:rPr lang="he-IL" sz="2000"/>
+              <a:rPr lang="he-IL" sz="2000" dirty="0"/>
               <a:t>גיל מאירי</a:t>
             </a:r>
           </a:p>
           <a:p>
             <a:pPr algn="l" rtl="1"/>
             <a:r>
-              <a:rPr lang="he-IL" sz="2000"/>
+              <a:rPr lang="he-IL" sz="2000" dirty="0"/>
               <a:t>אלירן סבג</a:t>
             </a:r>
-            <a:endParaRPr lang="en-US" sz="2000"/>
+            <a:endParaRPr lang="en-US" sz="2000" dirty="0"/>
           </a:p>
         </p:txBody>
       </p:sp>
@@ -6473,6 +6557,44 @@
           </a:extLst>
         </p:spPr>
       </p:pic>
+      <p:sp>
+        <p:nvSpPr>
+          <p:cNvPr id="4" name="TextBox 3">
+            <a:extLst>
+              <a:ext uri="{FF2B5EF4-FFF2-40B4-BE49-F238E27FC236}">
+                <a16:creationId xmlns:a16="http://schemas.microsoft.com/office/drawing/2014/main" id="{716C192C-FC76-40F5-B686-9526C606EF15}"/>
+              </a:ext>
+            </a:extLst>
+          </p:cNvPr>
+          <p:cNvSpPr txBox="1"/>
+          <p:nvPr/>
+        </p:nvSpPr>
+        <p:spPr>
+          <a:xfrm>
+            <a:off x="4901045" y="5988770"/>
+            <a:ext cx="6771597" cy="430887"/>
+          </a:xfrm>
+          <a:prstGeom prst="rect">
+            <a:avLst/>
+          </a:prstGeom>
+          <a:noFill/>
+        </p:spPr>
+        <p:txBody>
+          <a:bodyPr wrap="none" rtlCol="0">
+            <a:spAutoFit/>
+          </a:bodyPr>
+          <a:lstStyle/>
+          <a:p>
+            <a:r>
+              <a:rPr lang="en-US" sz="2200" u="sng" dirty="0">
+                <a:hlinkClick r:id="rId4"/>
+              </a:rPr>
+              <a:t>https://github.com/Eliran79/DataScienceWorkshop20936</a:t>
+            </a:r>
+            <a:endParaRPr lang="en-US" sz="2200" dirty="0"/>
+          </a:p>
+        </p:txBody>
+      </p:sp>
     </p:spTree>
     <p:extLst>
       <p:ext uri="{BB962C8B-B14F-4D97-AF65-F5344CB8AC3E}">
@@ -7042,13 +7164,13 @@
   <p:clrMapOvr>
     <a:masterClrMapping/>
   </p:clrMapOvr>
-  <mc:AlternateContent xmlns:mc="http://schemas.openxmlformats.org/markup-compatibility/2006">
-    <mc:Choice xmlns:p159="http://schemas.microsoft.com/office/powerpoint/2015/09/main" Requires="p159">
+  <mc:AlternateContent xmlns:mc="http://schemas.openxmlformats.org/markup-compatibility/2006" xmlns:p159="http://schemas.microsoft.com/office/powerpoint/2015/09/main">
+    <mc:Choice Requires="p159">
       <p:transition xmlns:p14="http://schemas.microsoft.com/office/powerpoint/2010/main" spd="slow" p14:dur="2000">
         <p159:morph option="byObject"/>
       </p:transition>
     </mc:Choice>
-    <mc:Fallback>
+    <mc:Fallback xmlns="">
       <p:transition spd="slow">
         <p:fade/>
       </p:transition>
@@ -7447,15 +7569,6 @@
               <a:srgbClr val="C0C0C0"/>
             </a:contourClr>
           </a:sp3d>
-          <a:extLst>
-            <a:ext uri="{909E8E84-426E-40DD-AFC4-6F175D3DCCD1}">
-              <a14:hiddenFill xmlns:a14="http://schemas.microsoft.com/office/drawing/2010/main">
-                <a:solidFill>
-                  <a:srgbClr val="FFFFFF"/>
-                </a:solidFill>
-              </a14:hiddenFill>
-            </a:ext>
-          </a:extLst>
         </p:spPr>
       </p:pic>
     </p:spTree>
@@ -7468,13 +7581,13 @@
   <p:clrMapOvr>
     <a:masterClrMapping/>
   </p:clrMapOvr>
-  <mc:AlternateContent xmlns:mc="http://schemas.openxmlformats.org/markup-compatibility/2006">
-    <mc:Choice xmlns:p159="http://schemas.microsoft.com/office/powerpoint/2015/09/main" Requires="p159">
+  <mc:AlternateContent xmlns:mc="http://schemas.openxmlformats.org/markup-compatibility/2006" xmlns:p159="http://schemas.microsoft.com/office/powerpoint/2015/09/main">
+    <mc:Choice Requires="p159">
       <p:transition xmlns:p14="http://schemas.microsoft.com/office/powerpoint/2010/main" spd="slow" p14:dur="2000">
         <p159:morph option="byObject"/>
       </p:transition>
     </mc:Choice>
-    <mc:Fallback>
+    <mc:Fallback xmlns="">
       <p:transition spd="slow">
         <p:fade/>
       </p:transition>
@@ -7956,13 +8069,13 @@
   <p:clrMapOvr>
     <a:masterClrMapping/>
   </p:clrMapOvr>
-  <mc:AlternateContent xmlns:mc="http://schemas.openxmlformats.org/markup-compatibility/2006">
-    <mc:Choice xmlns:p159="http://schemas.microsoft.com/office/powerpoint/2015/09/main" Requires="p159">
+  <mc:AlternateContent xmlns:mc="http://schemas.openxmlformats.org/markup-compatibility/2006" xmlns:p159="http://schemas.microsoft.com/office/powerpoint/2015/09/main">
+    <mc:Choice Requires="p159">
       <p:transition xmlns:p14="http://schemas.microsoft.com/office/powerpoint/2010/main" spd="slow" p14:dur="2000">
         <p159:morph option="byObject"/>
       </p:transition>
     </mc:Choice>
-    <mc:Fallback>
+    <mc:Fallback xmlns="">
       <p:transition spd="slow">
         <p:fade/>
       </p:transition>
@@ -9297,13 +9410,13 @@
   <p:clrMapOvr>
     <a:masterClrMapping/>
   </p:clrMapOvr>
-  <mc:AlternateContent xmlns:mc="http://schemas.openxmlformats.org/markup-compatibility/2006">
-    <mc:Choice xmlns:p159="http://schemas.microsoft.com/office/powerpoint/2015/09/main" Requires="p159">
+  <mc:AlternateContent xmlns:mc="http://schemas.openxmlformats.org/markup-compatibility/2006" xmlns:p159="http://schemas.microsoft.com/office/powerpoint/2015/09/main">
+    <mc:Choice Requires="p159">
       <p:transition xmlns:p14="http://schemas.microsoft.com/office/powerpoint/2010/main" spd="slow" p14:dur="2000">
         <p159:morph option="byObject"/>
       </p:transition>
     </mc:Choice>
-    <mc:Fallback>
+    <mc:Fallback xmlns="">
       <p:transition spd="slow">
         <p:fade/>
       </p:transition>
@@ -9778,15 +9891,6 @@
           <a:effectLst>
             <a:reflection blurRad="12700" stA="38000" endPos="28000" dist="5000" dir="5400000" sy="-100000" algn="bl" rotWithShape="0"/>
           </a:effectLst>
-          <a:extLst>
-            <a:ext uri="{909E8E84-426E-40DD-AFC4-6F175D3DCCD1}">
-              <a14:hiddenFill xmlns:a14="http://schemas.microsoft.com/office/drawing/2010/main">
-                <a:solidFill>
-                  <a:srgbClr val="FFFFFF"/>
-                </a:solidFill>
-              </a14:hiddenFill>
-            </a:ext>
-          </a:extLst>
         </p:spPr>
       </p:pic>
     </p:spTree>
@@ -9799,13 +9903,13 @@
   <p:clrMapOvr>
     <a:masterClrMapping/>
   </p:clrMapOvr>
-  <mc:AlternateContent xmlns:mc="http://schemas.openxmlformats.org/markup-compatibility/2006">
-    <mc:Choice xmlns:p159="http://schemas.microsoft.com/office/powerpoint/2015/09/main" Requires="p159">
+  <mc:AlternateContent xmlns:mc="http://schemas.openxmlformats.org/markup-compatibility/2006" xmlns:p159="http://schemas.microsoft.com/office/powerpoint/2015/09/main">
+    <mc:Choice Requires="p159">
       <p:transition xmlns:p14="http://schemas.microsoft.com/office/powerpoint/2010/main" spd="slow" p14:dur="2000">
         <p159:morph option="byObject"/>
       </p:transition>
     </mc:Choice>
-    <mc:Fallback>
+    <mc:Fallback xmlns="">
       <p:transition spd="slow">
         <p:fade/>
       </p:transition>
@@ -10030,13 +10134,13 @@
   <p:clrMapOvr>
     <a:masterClrMapping/>
   </p:clrMapOvr>
-  <mc:AlternateContent xmlns:mc="http://schemas.openxmlformats.org/markup-compatibility/2006">
-    <mc:Choice xmlns:p159="http://schemas.microsoft.com/office/powerpoint/2015/09/main" Requires="p159">
+  <mc:AlternateContent xmlns:mc="http://schemas.openxmlformats.org/markup-compatibility/2006" xmlns:p159="http://schemas.microsoft.com/office/powerpoint/2015/09/main">
+    <mc:Choice Requires="p159">
       <p:transition xmlns:p14="http://schemas.microsoft.com/office/powerpoint/2010/main" spd="slow" p14:dur="2000">
         <p159:morph option="byObject"/>
       </p:transition>
     </mc:Choice>
-    <mc:Fallback>
+    <mc:Fallback xmlns="">
       <p:transition spd="slow">
         <p:fade/>
       </p:transition>
@@ -10142,6 +10246,24 @@
               <a:rPr lang="he-IL" dirty="0"/>
               <a:t>זיהוי איך מוטציות של גנים משפיעים על אוטיזם</a:t>
             </a:r>
+            <a:r>
+              <a:rPr lang="en-US" dirty="0"/>
+              <a:t> </a:t>
+            </a:r>
+            <a:r>
+              <a:rPr lang="he-IL" dirty="0"/>
+              <a:t> [</a:t>
+            </a:r>
+            <a:r>
+              <a:rPr lang="he-IL" dirty="0">
+                <a:hlinkClick r:id="rId3"/>
+              </a:rPr>
+              <a:t>לינק</a:t>
+            </a:r>
+            <a:r>
+              <a:rPr lang="he-IL" dirty="0"/>
+              <a:t>]</a:t>
+            </a:r>
             <a:endParaRPr lang="en-US" dirty="0"/>
           </a:p>
         </p:txBody>
@@ -10161,7 +10283,7 @@
           <p:nvPr/>
         </p:nvPicPr>
         <p:blipFill>
-          <a:blip r:embed="rId3"/>
+          <a:blip r:embed="rId4"/>
           <a:stretch>
             <a:fillRect/>
           </a:stretch>
@@ -10199,13 +10321,13 @@
   <p:clrMapOvr>
     <a:masterClrMapping/>
   </p:clrMapOvr>
-  <mc:AlternateContent xmlns:mc="http://schemas.openxmlformats.org/markup-compatibility/2006">
-    <mc:Choice xmlns:p159="http://schemas.microsoft.com/office/powerpoint/2015/09/main" Requires="p159">
+  <mc:AlternateContent xmlns:mc="http://schemas.openxmlformats.org/markup-compatibility/2006" xmlns:p159="http://schemas.microsoft.com/office/powerpoint/2015/09/main">
+    <mc:Choice Requires="p159">
       <p:transition xmlns:p14="http://schemas.microsoft.com/office/powerpoint/2010/main" spd="slow" p14:dur="2000">
         <p159:morph option="byObject"/>
       </p:transition>
     </mc:Choice>
-    <mc:Fallback>
+    <mc:Fallback xmlns="">
       <p:transition spd="slow">
         <p:fade/>
       </p:transition>
@@ -10740,13 +10862,13 @@
   <p:clrMapOvr>
     <a:overrideClrMapping bg1="dk1" tx1="lt1" bg2="dk2" tx2="lt2" accent1="accent1" accent2="accent2" accent3="accent3" accent4="accent4" accent5="accent5" accent6="accent6" hlink="hlink" folHlink="folHlink"/>
   </p:clrMapOvr>
-  <mc:AlternateContent xmlns:mc="http://schemas.openxmlformats.org/markup-compatibility/2006">
-    <mc:Choice xmlns:p159="http://schemas.microsoft.com/office/powerpoint/2015/09/main" Requires="p159">
+  <mc:AlternateContent xmlns:mc="http://schemas.openxmlformats.org/markup-compatibility/2006" xmlns:p159="http://schemas.microsoft.com/office/powerpoint/2015/09/main">
+    <mc:Choice Requires="p159">
       <p:transition xmlns:p14="http://schemas.microsoft.com/office/powerpoint/2010/main" spd="slow" p14:dur="2000">
         <p159:morph option="byObject"/>
       </p:transition>
     </mc:Choice>
-    <mc:Fallback>
+    <mc:Fallback xmlns="">
       <p:transition spd="slow">
         <p:fade/>
       </p:transition>
@@ -11215,13 +11337,13 @@
   <p:clrMapOvr>
     <a:masterClrMapping/>
   </p:clrMapOvr>
-  <mc:AlternateContent xmlns:mc="http://schemas.openxmlformats.org/markup-compatibility/2006">
-    <mc:Choice xmlns:p159="http://schemas.microsoft.com/office/powerpoint/2015/09/main" Requires="p159">
+  <mc:AlternateContent xmlns:mc="http://schemas.openxmlformats.org/markup-compatibility/2006" xmlns:p159="http://schemas.microsoft.com/office/powerpoint/2015/09/main">
+    <mc:Choice Requires="p159">
       <p:transition xmlns:p14="http://schemas.microsoft.com/office/powerpoint/2010/main" spd="slow" p14:dur="2000">
         <p159:morph option="byObject"/>
       </p:transition>
     </mc:Choice>
-    <mc:Fallback>
+    <mc:Fallback xmlns="">
       <p:transition spd="slow">
         <p:fade/>
       </p:transition>
@@ -11863,13 +11985,13 @@
   <p:clrMapOvr>
     <a:masterClrMapping/>
   </p:clrMapOvr>
-  <mc:AlternateContent xmlns:mc="http://schemas.openxmlformats.org/markup-compatibility/2006">
-    <mc:Choice xmlns:p159="http://schemas.microsoft.com/office/powerpoint/2015/09/main" Requires="p159">
+  <mc:AlternateContent xmlns:mc="http://schemas.openxmlformats.org/markup-compatibility/2006" xmlns:p159="http://schemas.microsoft.com/office/powerpoint/2015/09/main">
+    <mc:Choice Requires="p159">
       <p:transition xmlns:p14="http://schemas.microsoft.com/office/powerpoint/2010/main" spd="slow" p14:dur="2000">
         <p159:morph option="byObject"/>
       </p:transition>
     </mc:Choice>
-    <mc:Fallback>
+    <mc:Fallback xmlns="">
       <p:transition spd="slow">
         <p:fade/>
       </p:transition>
@@ -12488,13 +12610,13 @@
   <p:clrMapOvr>
     <a:masterClrMapping/>
   </p:clrMapOvr>
-  <mc:AlternateContent xmlns:mc="http://schemas.openxmlformats.org/markup-compatibility/2006">
-    <mc:Choice xmlns:p14="http://schemas.microsoft.com/office/powerpoint/2010/main" Requires="p14">
+  <mc:AlternateContent xmlns:mc="http://schemas.openxmlformats.org/markup-compatibility/2006" xmlns:p14="http://schemas.microsoft.com/office/powerpoint/2010/main">
+    <mc:Choice Requires="p14">
       <p:transition spd="med" p14:dur="700">
         <p:fade/>
       </p:transition>
     </mc:Choice>
-    <mc:Fallback>
+    <mc:Fallback xmlns="">
       <p:transition spd="med">
         <p:fade/>
       </p:transition>
@@ -13315,13 +13437,13 @@
   <p:clrMapOvr>
     <a:masterClrMapping/>
   </p:clrMapOvr>
-  <mc:AlternateContent xmlns:mc="http://schemas.openxmlformats.org/markup-compatibility/2006">
-    <mc:Choice xmlns:p14="http://schemas.microsoft.com/office/powerpoint/2010/main" Requires="p14">
+  <mc:AlternateContent xmlns:mc="http://schemas.openxmlformats.org/markup-compatibility/2006" xmlns:p14="http://schemas.microsoft.com/office/powerpoint/2010/main">
+    <mc:Choice Requires="p14">
       <p:transition spd="med" p14:dur="700">
         <p:fade/>
       </p:transition>
     </mc:Choice>
-    <mc:Fallback>
+    <mc:Fallback xmlns="">
       <p:transition spd="med">
         <p:fade/>
       </p:transition>
@@ -14194,13 +14316,13 @@
   <p:clrMapOvr>
     <a:masterClrMapping/>
   </p:clrMapOvr>
-  <mc:AlternateContent xmlns:mc="http://schemas.openxmlformats.org/markup-compatibility/2006">
-    <mc:Choice xmlns:p14="http://schemas.microsoft.com/office/powerpoint/2010/main" Requires="p14">
+  <mc:AlternateContent xmlns:mc="http://schemas.openxmlformats.org/markup-compatibility/2006" xmlns:p14="http://schemas.microsoft.com/office/powerpoint/2010/main">
+    <mc:Choice Requires="p14">
       <p:transition spd="med" p14:dur="700">
         <p:fade/>
       </p:transition>
     </mc:Choice>
-    <mc:Fallback>
+    <mc:Fallback xmlns="">
       <p:transition spd="med">
         <p:fade/>
       </p:transition>
@@ -14394,13 +14516,13 @@
   <p:clrMapOvr>
     <a:masterClrMapping/>
   </p:clrMapOvr>
-  <mc:AlternateContent xmlns:mc="http://schemas.openxmlformats.org/markup-compatibility/2006">
-    <mc:Choice xmlns:p14="http://schemas.microsoft.com/office/powerpoint/2010/main" Requires="p14">
+  <mc:AlternateContent xmlns:mc="http://schemas.openxmlformats.org/markup-compatibility/2006" xmlns:p14="http://schemas.microsoft.com/office/powerpoint/2010/main">
+    <mc:Choice Requires="p14">
       <p:transition spd="med" p14:dur="700">
         <p:fade/>
       </p:transition>
     </mc:Choice>
-    <mc:Fallback>
+    <mc:Fallback xmlns="">
       <p:transition spd="med">
         <p:fade/>
       </p:transition>
@@ -14951,15 +15073,6 @@
               <a:srgbClr val="C0C0C0"/>
             </a:contourClr>
           </a:sp3d>
-          <a:extLst>
-            <a:ext uri="{909E8E84-426E-40DD-AFC4-6F175D3DCCD1}">
-              <a14:hiddenFill xmlns:a14="http://schemas.microsoft.com/office/drawing/2010/main">
-                <a:solidFill>
-                  <a:srgbClr val="FFFFFF"/>
-                </a:solidFill>
-              </a14:hiddenFill>
-            </a:ext>
-          </a:extLst>
         </p:spPr>
       </p:pic>
       <p:pic>
@@ -15019,13 +15132,13 @@
   <p:clrMapOvr>
     <a:masterClrMapping/>
   </p:clrMapOvr>
-  <mc:AlternateContent xmlns:mc="http://schemas.openxmlformats.org/markup-compatibility/2006">
-    <mc:Choice xmlns:p159="http://schemas.microsoft.com/office/powerpoint/2015/09/main" Requires="p159">
+  <mc:AlternateContent xmlns:mc="http://schemas.openxmlformats.org/markup-compatibility/2006" xmlns:p159="http://schemas.microsoft.com/office/powerpoint/2015/09/main">
+    <mc:Choice Requires="p159">
       <p:transition xmlns:p14="http://schemas.microsoft.com/office/powerpoint/2010/main" spd="slow" p14:dur="2000">
         <p159:morph option="byObject"/>
       </p:transition>
     </mc:Choice>
-    <mc:Fallback>
+    <mc:Fallback xmlns="">
       <p:transition spd="slow">
         <p:fade/>
       </p:transition>
